--- a/其他/软件项目管理原理与实践/软件项目管理原理与实践-主题确认/G05主题确认.pptx
+++ b/其他/软件项目管理原理与实践/软件项目管理原理与实践-主题确认/G05主题确认.pptx
@@ -6202,7 +6202,7 @@
           </a:bodyPr>
           <a:lstStyle/>
           <a:p>
-            <a:pPr algn="dist"/>
+            <a:pPr algn="ctr"/>
             <a:r>
               <a:rPr lang="zh-CN" altLang="en-US" sz="3600" dirty="0" smtClean="0">
                 <a:solidFill>
@@ -6394,7 +6394,7 @@
           </a:bodyPr>
           <a:lstStyle/>
           <a:p>
-            <a:pPr algn="dist"/>
+            <a:pPr algn="ctr"/>
             <a:r>
               <a:rPr lang="zh-CN" altLang="en-US" sz="3600" dirty="0" smtClean="0">
                 <a:solidFill>
@@ -6881,7 +6881,7 @@
           </a:bodyPr>
           <a:lstStyle/>
           <a:p>
-            <a:pPr algn="dist"/>
+            <a:pPr algn="ctr"/>
             <a:r>
               <a:rPr lang="zh-CN" altLang="en-US" sz="3600" dirty="0" smtClean="0">
                 <a:solidFill>
@@ -7073,7 +7073,7 @@
           </a:bodyPr>
           <a:lstStyle/>
           <a:p>
-            <a:pPr algn="dist"/>
+            <a:pPr algn="ctr"/>
             <a:r>
               <a:rPr lang="zh-CN" altLang="en-US" sz="3600" dirty="0" smtClean="0">
                 <a:solidFill>
@@ -7553,7 +7553,7 @@
           </a:bodyPr>
           <a:lstStyle/>
           <a:p>
-            <a:pPr algn="dist"/>
+            <a:pPr algn="ctr"/>
             <a:r>
               <a:rPr lang="zh-CN" altLang="en-US" sz="3600" dirty="0" smtClean="0">
                 <a:solidFill>
@@ -7745,7 +7745,7 @@
           </a:bodyPr>
           <a:lstStyle/>
           <a:p>
-            <a:pPr algn="dist"/>
+            <a:pPr algn="ctr"/>
             <a:r>
               <a:rPr lang="zh-CN" altLang="en-US" sz="3600" dirty="0" smtClean="0">
                 <a:solidFill>

--- a/其他/软件项目管理原理与实践/软件项目管理原理与实践-主题确认/G05主题确认.pptx
+++ b/其他/软件项目管理原理与实践/软件项目管理原理与实践-主题确认/G05主题确认.pptx
@@ -4797,7 +4797,7 @@
           </a:bodyPr>
           <a:lstStyle/>
           <a:p>
-            <a:pPr algn="dist"/>
+            <a:pPr algn="ctr"/>
             <a:r>
               <a:rPr lang="zh-CN" altLang="en-US" sz="3600" dirty="0" smtClean="0">
                 <a:solidFill>
@@ -4807,7 +4807,7 @@
                 <a:ea typeface="等线" panose="02010600030101010101" charset="-122"/>
                 <a:sym typeface="Segoe UI" panose="020B0502040204020203" pitchFamily="34" charset="0"/>
               </a:rPr>
-              <a:t>三、美团优选</a:t>
+              <a:t>美团优选</a:t>
             </a:r>
             <a:endParaRPr lang="zh-CN" altLang="en-US" sz="3600" dirty="0" smtClean="0">
               <a:solidFill>
@@ -4901,7 +4901,7 @@
       </p:sp>
       <p:pic>
         <p:nvPicPr>
-          <p:cNvPr id="4" name="图片 3" descr="C:\Users\73732\Desktop\微信图片_20210413211018.jpg微信图片_20210413211018"/>
+          <p:cNvPr id="2" name="图片 1"/>
           <p:cNvPicPr>
             <a:picLocks noChangeAspect="1"/>
           </p:cNvPicPr>
@@ -4909,15 +4909,14 @@
         </p:nvPicPr>
         <p:blipFill>
           <a:blip r:embed="rId1"/>
-          <a:srcRect/>
           <a:stretch>
             <a:fillRect/>
           </a:stretch>
         </p:blipFill>
         <p:spPr>
           <a:xfrm>
-            <a:off x="8090853" y="370840"/>
-            <a:ext cx="891540" cy="892175"/>
+            <a:off x="8107045" y="156845"/>
+            <a:ext cx="1282065" cy="1320165"/>
           </a:xfrm>
           <a:prstGeom prst="rect">
             <a:avLst/>
@@ -4959,59 +4958,6 @@
           <a:chExt cx="0" cy="0"/>
         </a:xfrm>
       </p:grpSpPr>
-      <p:sp>
-        <p:nvSpPr>
-          <p:cNvPr id="23595" name="文本框 3"/>
-          <p:cNvSpPr>
-            <a:spLocks noChangeArrowheads="1"/>
-          </p:cNvSpPr>
-          <p:nvPr/>
-        </p:nvSpPr>
-        <p:spPr bwMode="auto">
-          <a:xfrm>
-            <a:off x="4218305" y="494665"/>
-            <a:ext cx="3756660" cy="645160"/>
-          </a:xfrm>
-          <a:prstGeom prst="rect">
-            <a:avLst/>
-          </a:prstGeom>
-          <a:solidFill>
-            <a:srgbClr val="22385C"/>
-          </a:solidFill>
-          <a:ln w="9525">
-            <a:noFill/>
-            <a:miter lim="800000"/>
-          </a:ln>
-        </p:spPr>
-        <p:txBody>
-          <a:bodyPr wrap="square" lIns="91440" tIns="45720" rIns="91440" bIns="45720">
-            <a:spAutoFit/>
-          </a:bodyPr>
-          <a:lstStyle/>
-          <a:p>
-            <a:pPr algn="dist"/>
-            <a:r>
-              <a:rPr lang="zh-CN" altLang="en-US" sz="3600" dirty="0" smtClean="0">
-                <a:solidFill>
-                  <a:schemeClr val="bg1"/>
-                </a:solidFill>
-                <a:latin typeface="等线" panose="02010600030101010101" charset="-122"/>
-                <a:ea typeface="等线" panose="02010600030101010101" charset="-122"/>
-                <a:sym typeface="Segoe UI" panose="020B0502040204020203" pitchFamily="34" charset="0"/>
-              </a:rPr>
-              <a:t>三、美团优选</a:t>
-            </a:r>
-            <a:endParaRPr lang="zh-CN" altLang="en-US" sz="3600" dirty="0" smtClean="0">
-              <a:solidFill>
-                <a:schemeClr val="bg1"/>
-              </a:solidFill>
-              <a:latin typeface="等线" panose="02010600030101010101" charset="-122"/>
-              <a:ea typeface="等线" panose="02010600030101010101" charset="-122"/>
-              <a:sym typeface="Segoe UI" panose="020B0502040204020203" pitchFamily="34" charset="0"/>
-            </a:endParaRPr>
-          </a:p>
-        </p:txBody>
-      </p:sp>
       <p:sp>
         <p:nvSpPr>
           <p:cNvPr id="23596" name="矩形 4"/>
@@ -5440,9 +5386,61 @@
           </a:graphicData>
         </a:graphic>
       </p:graphicFrame>
+      <p:sp>
+        <p:nvSpPr>
+          <p:cNvPr id="3" name="文本框 3"/>
+          <p:cNvSpPr>
+            <a:spLocks noChangeArrowheads="1"/>
+          </p:cNvSpPr>
+          <p:nvPr/>
+        </p:nvSpPr>
+        <p:spPr bwMode="auto">
+          <a:xfrm>
+            <a:off x="4218305" y="494665"/>
+            <a:ext cx="3756660" cy="645160"/>
+          </a:xfrm>
+          <a:prstGeom prst="rect">
+            <a:avLst/>
+          </a:prstGeom>
+          <a:solidFill>
+            <a:srgbClr val="22385C"/>
+          </a:solidFill>
+          <a:ln w="9525">
+            <a:noFill/>
+            <a:miter lim="800000"/>
+          </a:ln>
+        </p:spPr>
+        <p:txBody>
+          <a:bodyPr wrap="square" lIns="91440" tIns="45720" rIns="91440" bIns="45720">
+            <a:spAutoFit/>
+          </a:bodyPr>
+          <a:p>
+            <a:pPr algn="ctr"/>
+            <a:r>
+              <a:rPr lang="zh-CN" altLang="en-US" sz="3600" dirty="0" smtClean="0">
+                <a:solidFill>
+                  <a:schemeClr val="bg1"/>
+                </a:solidFill>
+                <a:latin typeface="等线" panose="02010600030101010101" charset="-122"/>
+                <a:ea typeface="等线" panose="02010600030101010101" charset="-122"/>
+                <a:sym typeface="Segoe UI" panose="020B0502040204020203" pitchFamily="34" charset="0"/>
+              </a:rPr>
+              <a:t>美团优选</a:t>
+            </a:r>
+            <a:endParaRPr lang="zh-CN" altLang="en-US" sz="3600" dirty="0" smtClean="0">
+              <a:solidFill>
+                <a:schemeClr val="bg1"/>
+              </a:solidFill>
+              <a:latin typeface="等线" panose="02010600030101010101" charset="-122"/>
+              <a:ea typeface="等线" panose="02010600030101010101" charset="-122"/>
+              <a:sym typeface="Segoe UI" panose="020B0502040204020203" pitchFamily="34" charset="0"/>
+            </a:endParaRPr>
+          </a:p>
+        </p:txBody>
+      </p:sp>
       <p:pic>
         <p:nvPicPr>
-          <p:cNvPr id="4" name="图片 3" descr="C:\Users\73732\Desktop\微信图片_20210413211018.jpg微信图片_20210413211018"/>
+          <p:cNvPr id="5" name="图片 4"/>
           <p:cNvPicPr>
             <a:picLocks noChangeAspect="1"/>
           </p:cNvPicPr>
@@ -5450,15 +5448,14 @@
         </p:nvPicPr>
         <p:blipFill>
           <a:blip r:embed="rId2"/>
-          <a:srcRect/>
           <a:stretch>
             <a:fillRect/>
           </a:stretch>
         </p:blipFill>
         <p:spPr>
           <a:xfrm>
-            <a:off x="8090853" y="370840"/>
-            <a:ext cx="891540" cy="892175"/>
+            <a:off x="8107045" y="156845"/>
+            <a:ext cx="1282065" cy="1320165"/>
           </a:xfrm>
           <a:prstGeom prst="rect">
             <a:avLst/>
@@ -5530,7 +5527,7 @@
           </a:bodyPr>
           <a:lstStyle/>
           <a:p>
-            <a:pPr algn="dist"/>
+            <a:pPr algn="ctr"/>
             <a:r>
               <a:rPr lang="zh-CN" altLang="en-US" sz="3600" dirty="0" smtClean="0">
                 <a:solidFill>
@@ -5540,7 +5537,7 @@
                 <a:ea typeface="等线" panose="02010600030101010101" charset="-122"/>
                 <a:sym typeface="Segoe UI" panose="020B0502040204020203" pitchFamily="34" charset="0"/>
               </a:rPr>
-              <a:t>四、兴盛优选</a:t>
+              <a:t>兴盛优选</a:t>
             </a:r>
             <a:endParaRPr lang="zh-CN" altLang="en-US" sz="3600" dirty="0" smtClean="0">
               <a:solidFill>
@@ -5722,7 +5719,7 @@
           </a:bodyPr>
           <a:lstStyle/>
           <a:p>
-            <a:pPr algn="dist"/>
+            <a:pPr algn="ctr"/>
             <a:r>
               <a:rPr lang="zh-CN" altLang="en-US" sz="3600" dirty="0" smtClean="0">
                 <a:solidFill>
@@ -5732,7 +5729,7 @@
                 <a:ea typeface="等线" panose="02010600030101010101" charset="-122"/>
                 <a:sym typeface="Segoe UI" panose="020B0502040204020203" pitchFamily="34" charset="0"/>
               </a:rPr>
-              <a:t>四、兴盛优选</a:t>
+              <a:t>兴盛优选</a:t>
             </a:r>
             <a:endParaRPr lang="zh-CN" altLang="en-US" sz="3600" dirty="0" smtClean="0">
               <a:solidFill>
@@ -6212,7 +6209,29 @@
                 <a:ea typeface="等线" panose="02010600030101010101" charset="-122"/>
                 <a:sym typeface="Segoe UI" panose="020B0502040204020203" pitchFamily="34" charset="0"/>
               </a:rPr>
-              <a:t>五、盒马</a:t>
+              <a:t>盒</a:t>
+            </a:r>
+            <a:r>
+              <a:rPr lang="en-US" altLang="zh-CN" sz="3600" dirty="0" smtClean="0">
+                <a:solidFill>
+                  <a:schemeClr val="bg1"/>
+                </a:solidFill>
+                <a:latin typeface="等线" panose="02010600030101010101" charset="-122"/>
+                <a:ea typeface="等线" panose="02010600030101010101" charset="-122"/>
+                <a:sym typeface="Segoe UI" panose="020B0502040204020203" pitchFamily="34" charset="0"/>
+              </a:rPr>
+              <a:t> </a:t>
+            </a:r>
+            <a:r>
+              <a:rPr lang="zh-CN" altLang="en-US" sz="3600" dirty="0" smtClean="0">
+                <a:solidFill>
+                  <a:schemeClr val="bg1"/>
+                </a:solidFill>
+                <a:latin typeface="等线" panose="02010600030101010101" charset="-122"/>
+                <a:ea typeface="等线" panose="02010600030101010101" charset="-122"/>
+                <a:sym typeface="Segoe UI" panose="020B0502040204020203" pitchFamily="34" charset="0"/>
+              </a:rPr>
+              <a:t>马</a:t>
             </a:r>
             <a:endParaRPr lang="zh-CN" altLang="en-US" sz="3600" dirty="0" smtClean="0">
               <a:solidFill>
@@ -6404,7 +6423,29 @@
                 <a:ea typeface="等线" panose="02010600030101010101" charset="-122"/>
                 <a:sym typeface="Segoe UI" panose="020B0502040204020203" pitchFamily="34" charset="0"/>
               </a:rPr>
-              <a:t>五、盒马</a:t>
+              <a:t>盒</a:t>
+            </a:r>
+            <a:r>
+              <a:rPr lang="en-US" altLang="zh-CN" sz="3600" dirty="0" smtClean="0">
+                <a:solidFill>
+                  <a:schemeClr val="bg1"/>
+                </a:solidFill>
+                <a:latin typeface="等线" panose="02010600030101010101" charset="-122"/>
+                <a:ea typeface="等线" panose="02010600030101010101" charset="-122"/>
+                <a:sym typeface="Segoe UI" panose="020B0502040204020203" pitchFamily="34" charset="0"/>
+              </a:rPr>
+              <a:t> </a:t>
+            </a:r>
+            <a:r>
+              <a:rPr lang="zh-CN" altLang="en-US" sz="3600" dirty="0" smtClean="0">
+                <a:solidFill>
+                  <a:schemeClr val="bg1"/>
+                </a:solidFill>
+                <a:latin typeface="等线" panose="02010600030101010101" charset="-122"/>
+                <a:ea typeface="等线" panose="02010600030101010101" charset="-122"/>
+                <a:sym typeface="Segoe UI" panose="020B0502040204020203" pitchFamily="34" charset="0"/>
+              </a:rPr>
+              <a:t>马</a:t>
             </a:r>
             <a:endParaRPr lang="zh-CN" altLang="en-US" sz="3600" dirty="0" smtClean="0">
               <a:solidFill>
@@ -6891,7 +6932,7 @@
                 <a:ea typeface="等线" panose="02010600030101010101" charset="-122"/>
                 <a:sym typeface="Segoe UI" panose="020B0502040204020203" pitchFamily="34" charset="0"/>
               </a:rPr>
-              <a:t>六、每日优鲜</a:t>
+              <a:t>每日优鲜</a:t>
             </a:r>
             <a:endParaRPr lang="zh-CN" altLang="en-US" sz="3600" dirty="0" smtClean="0">
               <a:solidFill>
@@ -7083,7 +7124,7 @@
                 <a:ea typeface="等线" panose="02010600030101010101" charset="-122"/>
                 <a:sym typeface="Segoe UI" panose="020B0502040204020203" pitchFamily="34" charset="0"/>
               </a:rPr>
-              <a:t>六、每日优鲜</a:t>
+              <a:t>每日优鲜</a:t>
             </a:r>
             <a:endParaRPr lang="zh-CN" altLang="en-US" sz="3600" dirty="0" smtClean="0">
               <a:solidFill>
@@ -7563,7 +7604,7 @@
                 <a:ea typeface="等线" panose="02010600030101010101" charset="-122"/>
                 <a:sym typeface="Segoe UI" panose="020B0502040204020203" pitchFamily="34" charset="0"/>
               </a:rPr>
-              <a:t>七、十荟团</a:t>
+              <a:t>十荟团</a:t>
             </a:r>
             <a:endParaRPr lang="zh-CN" altLang="en-US" sz="3600" dirty="0" smtClean="0">
               <a:solidFill>
@@ -7755,7 +7796,7 @@
                 <a:ea typeface="等线" panose="02010600030101010101" charset="-122"/>
                 <a:sym typeface="Segoe UI" panose="020B0502040204020203" pitchFamily="34" charset="0"/>
               </a:rPr>
-              <a:t>七、十荟团</a:t>
+              <a:t>十荟团</a:t>
             </a:r>
             <a:endParaRPr lang="zh-CN" altLang="en-US" sz="3600" dirty="0" smtClean="0">
               <a:solidFill>
@@ -50110,7 +50151,7 @@
           </a:bodyPr>
           <a:lstStyle/>
           <a:p>
-            <a:pPr algn="dist"/>
+            <a:pPr algn="ctr"/>
             <a:r>
               <a:rPr lang="zh-CN" altLang="en-US" sz="3600" dirty="0" smtClean="0">
                 <a:solidFill>
@@ -50120,7 +50161,7 @@
                 <a:ea typeface="等线" panose="02010600030101010101" charset="-122"/>
                 <a:sym typeface="Segoe UI" panose="020B0502040204020203" pitchFamily="34" charset="0"/>
               </a:rPr>
-              <a:t>一、橙心优选</a:t>
+              <a:t>橙心优选</a:t>
             </a:r>
             <a:endParaRPr lang="zh-CN" altLang="en-US" sz="3600" dirty="0" smtClean="0">
               <a:solidFill>
@@ -50143,7 +50184,7 @@
         </p:nvSpPr>
         <p:spPr bwMode="auto">
           <a:xfrm>
-            <a:off x="963295" y="1139825"/>
+            <a:off x="910590" y="1504950"/>
             <a:ext cx="10370185" cy="4815840"/>
           </a:xfrm>
           <a:prstGeom prst="rect">
@@ -50221,8 +50262,8 @@
         </p:blipFill>
         <p:spPr>
           <a:xfrm>
-            <a:off x="8098790" y="370840"/>
-            <a:ext cx="892175" cy="892175"/>
+            <a:off x="8311515" y="299720"/>
+            <a:ext cx="1034415" cy="1034415"/>
           </a:xfrm>
           <a:prstGeom prst="rect">
             <a:avLst/>
@@ -50264,59 +50305,6 @@
           <a:chExt cx="0" cy="0"/>
         </a:xfrm>
       </p:grpSpPr>
-      <p:sp>
-        <p:nvSpPr>
-          <p:cNvPr id="23595" name="文本框 3"/>
-          <p:cNvSpPr>
-            <a:spLocks noChangeArrowheads="1"/>
-          </p:cNvSpPr>
-          <p:nvPr/>
-        </p:nvSpPr>
-        <p:spPr bwMode="auto">
-          <a:xfrm>
-            <a:off x="4218305" y="494665"/>
-            <a:ext cx="3756660" cy="645160"/>
-          </a:xfrm>
-          <a:prstGeom prst="rect">
-            <a:avLst/>
-          </a:prstGeom>
-          <a:solidFill>
-            <a:srgbClr val="22385C"/>
-          </a:solidFill>
-          <a:ln w="9525">
-            <a:noFill/>
-            <a:miter lim="800000"/>
-          </a:ln>
-        </p:spPr>
-        <p:txBody>
-          <a:bodyPr wrap="square" lIns="91440" tIns="45720" rIns="91440" bIns="45720">
-            <a:spAutoFit/>
-          </a:bodyPr>
-          <a:lstStyle/>
-          <a:p>
-            <a:pPr algn="dist"/>
-            <a:r>
-              <a:rPr lang="zh-CN" altLang="en-US" sz="3600" dirty="0" smtClean="0">
-                <a:solidFill>
-                  <a:schemeClr val="bg1"/>
-                </a:solidFill>
-                <a:latin typeface="等线" panose="02010600030101010101" charset="-122"/>
-                <a:ea typeface="等线" panose="02010600030101010101" charset="-122"/>
-                <a:sym typeface="Segoe UI" panose="020B0502040204020203" pitchFamily="34" charset="0"/>
-              </a:rPr>
-              <a:t>一、橙心优选</a:t>
-            </a:r>
-            <a:endParaRPr lang="zh-CN" altLang="en-US" sz="3600" dirty="0" smtClean="0">
-              <a:solidFill>
-                <a:schemeClr val="bg1"/>
-              </a:solidFill>
-              <a:latin typeface="等线" panose="02010600030101010101" charset="-122"/>
-              <a:ea typeface="等线" panose="02010600030101010101" charset="-122"/>
-              <a:sym typeface="Segoe UI" panose="020B0502040204020203" pitchFamily="34" charset="0"/>
-            </a:endParaRPr>
-          </a:p>
-        </p:txBody>
-      </p:sp>
       <p:sp>
         <p:nvSpPr>
           <p:cNvPr id="23596" name="矩形 4"/>
@@ -50720,9 +50708,62 @@
           </a:graphicData>
         </a:graphic>
       </p:graphicFrame>
+      <p:sp>
+        <p:nvSpPr>
+          <p:cNvPr id="14" name="文本框 3"/>
+          <p:cNvSpPr>
+            <a:spLocks noChangeArrowheads="1"/>
+          </p:cNvSpPr>
+          <p:nvPr/>
+        </p:nvSpPr>
+        <p:spPr bwMode="auto">
+          <a:xfrm>
+            <a:off x="4218305" y="494665"/>
+            <a:ext cx="3756660" cy="645160"/>
+          </a:xfrm>
+          <a:prstGeom prst="rect">
+            <a:avLst/>
+          </a:prstGeom>
+          <a:solidFill>
+            <a:srgbClr val="22385C"/>
+          </a:solidFill>
+          <a:ln w="9525">
+            <a:noFill/>
+            <a:miter lim="800000"/>
+          </a:ln>
+        </p:spPr>
+        <p:txBody>
+          <a:bodyPr wrap="square" lIns="91440" tIns="45720" rIns="91440" bIns="45720">
+            <a:spAutoFit/>
+          </a:bodyPr>
+          <a:lstStyle/>
+          <a:p>
+            <a:pPr algn="ctr"/>
+            <a:r>
+              <a:rPr lang="zh-CN" altLang="en-US" sz="3600" dirty="0" smtClean="0">
+                <a:solidFill>
+                  <a:schemeClr val="bg1"/>
+                </a:solidFill>
+                <a:latin typeface="等线" panose="02010600030101010101" charset="-122"/>
+                <a:ea typeface="等线" panose="02010600030101010101" charset="-122"/>
+                <a:sym typeface="Segoe UI" panose="020B0502040204020203" pitchFamily="34" charset="0"/>
+              </a:rPr>
+              <a:t>橙心优选</a:t>
+            </a:r>
+            <a:endParaRPr lang="zh-CN" altLang="en-US" sz="3600" dirty="0" smtClean="0">
+              <a:solidFill>
+                <a:schemeClr val="bg1"/>
+              </a:solidFill>
+              <a:latin typeface="等线" panose="02010600030101010101" charset="-122"/>
+              <a:ea typeface="等线" panose="02010600030101010101" charset="-122"/>
+              <a:sym typeface="Segoe UI" panose="020B0502040204020203" pitchFamily="34" charset="0"/>
+            </a:endParaRPr>
+          </a:p>
+        </p:txBody>
+      </p:sp>
       <p:pic>
         <p:nvPicPr>
-          <p:cNvPr id="3" name="图片 2" descr="微信图片_20210413210925"/>
+          <p:cNvPr id="15" name="图片 14" descr="微信图片_20210413210925"/>
           <p:cNvPicPr>
             <a:picLocks noChangeAspect="1"/>
           </p:cNvPicPr>
@@ -50736,8 +50777,8 @@
         </p:blipFill>
         <p:spPr>
           <a:xfrm>
-            <a:off x="8098790" y="370840"/>
-            <a:ext cx="892175" cy="892175"/>
+            <a:off x="8311515" y="299720"/>
+            <a:ext cx="1034415" cy="1034415"/>
           </a:xfrm>
           <a:prstGeom prst="rect">
             <a:avLst/>
@@ -50809,7 +50850,7 @@
           </a:bodyPr>
           <a:lstStyle/>
           <a:p>
-            <a:pPr algn="dist"/>
+            <a:pPr algn="ctr"/>
             <a:r>
               <a:rPr lang="zh-CN" altLang="en-US" sz="3600" dirty="0" smtClean="0">
                 <a:solidFill>
@@ -50819,7 +50860,7 @@
                 <a:ea typeface="等线" panose="02010600030101010101" charset="-122"/>
                 <a:sym typeface="Segoe UI" panose="020B0502040204020203" pitchFamily="34" charset="0"/>
               </a:rPr>
-              <a:t>二、多多买菜</a:t>
+              <a:t>多多买菜</a:t>
             </a:r>
             <a:endParaRPr lang="zh-CN" altLang="en-US" sz="3600" dirty="0" smtClean="0">
               <a:solidFill>
@@ -50842,7 +50883,7 @@
         </p:nvSpPr>
         <p:spPr bwMode="auto">
           <a:xfrm>
-            <a:off x="963295" y="1139825"/>
+            <a:off x="911860" y="1263015"/>
             <a:ext cx="10370185" cy="4815840"/>
           </a:xfrm>
           <a:prstGeom prst="rect">
@@ -50971,59 +51012,6 @@
           <a:chExt cx="0" cy="0"/>
         </a:xfrm>
       </p:grpSpPr>
-      <p:sp>
-        <p:nvSpPr>
-          <p:cNvPr id="23595" name="文本框 3"/>
-          <p:cNvSpPr>
-            <a:spLocks noChangeArrowheads="1"/>
-          </p:cNvSpPr>
-          <p:nvPr/>
-        </p:nvSpPr>
-        <p:spPr bwMode="auto">
-          <a:xfrm>
-            <a:off x="4218305" y="494665"/>
-            <a:ext cx="3756660" cy="645160"/>
-          </a:xfrm>
-          <a:prstGeom prst="rect">
-            <a:avLst/>
-          </a:prstGeom>
-          <a:solidFill>
-            <a:srgbClr val="22385C"/>
-          </a:solidFill>
-          <a:ln w="9525">
-            <a:noFill/>
-            <a:miter lim="800000"/>
-          </a:ln>
-        </p:spPr>
-        <p:txBody>
-          <a:bodyPr wrap="square" lIns="91440" tIns="45720" rIns="91440" bIns="45720">
-            <a:spAutoFit/>
-          </a:bodyPr>
-          <a:lstStyle/>
-          <a:p>
-            <a:pPr algn="dist"/>
-            <a:r>
-              <a:rPr lang="zh-CN" altLang="en-US" sz="3600" dirty="0" smtClean="0">
-                <a:solidFill>
-                  <a:schemeClr val="bg1"/>
-                </a:solidFill>
-                <a:latin typeface="等线" panose="02010600030101010101" charset="-122"/>
-                <a:ea typeface="等线" panose="02010600030101010101" charset="-122"/>
-                <a:sym typeface="Segoe UI" panose="020B0502040204020203" pitchFamily="34" charset="0"/>
-              </a:rPr>
-              <a:t>二、多多买菜</a:t>
-            </a:r>
-            <a:endParaRPr lang="zh-CN" altLang="en-US" sz="3600" dirty="0" smtClean="0">
-              <a:solidFill>
-                <a:schemeClr val="bg1"/>
-              </a:solidFill>
-              <a:latin typeface="等线" panose="02010600030101010101" charset="-122"/>
-              <a:ea typeface="等线" panose="02010600030101010101" charset="-122"/>
-              <a:sym typeface="Segoe UI" panose="020B0502040204020203" pitchFamily="34" charset="0"/>
-            </a:endParaRPr>
-          </a:p>
-        </p:txBody>
-      </p:sp>
       <p:sp>
         <p:nvSpPr>
           <p:cNvPr id="23596" name="矩形 4"/>
@@ -51384,9 +51372,62 @@
           </a:graphicData>
         </a:graphic>
       </p:graphicFrame>
+      <p:sp>
+        <p:nvSpPr>
+          <p:cNvPr id="6" name="文本框 3"/>
+          <p:cNvSpPr>
+            <a:spLocks noChangeArrowheads="1"/>
+          </p:cNvSpPr>
+          <p:nvPr/>
+        </p:nvSpPr>
+        <p:spPr bwMode="auto">
+          <a:xfrm>
+            <a:off x="4218305" y="494665"/>
+            <a:ext cx="3756660" cy="645160"/>
+          </a:xfrm>
+          <a:prstGeom prst="rect">
+            <a:avLst/>
+          </a:prstGeom>
+          <a:solidFill>
+            <a:srgbClr val="22385C"/>
+          </a:solidFill>
+          <a:ln w="9525">
+            <a:noFill/>
+            <a:miter lim="800000"/>
+          </a:ln>
+        </p:spPr>
+        <p:txBody>
+          <a:bodyPr wrap="square" lIns="91440" tIns="45720" rIns="91440" bIns="45720">
+            <a:spAutoFit/>
+          </a:bodyPr>
+          <a:lstStyle/>
+          <a:p>
+            <a:pPr algn="ctr"/>
+            <a:r>
+              <a:rPr lang="zh-CN" altLang="en-US" sz="3600" dirty="0" smtClean="0">
+                <a:solidFill>
+                  <a:schemeClr val="bg1"/>
+                </a:solidFill>
+                <a:latin typeface="等线" panose="02010600030101010101" charset="-122"/>
+                <a:ea typeface="等线" panose="02010600030101010101" charset="-122"/>
+                <a:sym typeface="Segoe UI" panose="020B0502040204020203" pitchFamily="34" charset="0"/>
+              </a:rPr>
+              <a:t>多多买菜</a:t>
+            </a:r>
+            <a:endParaRPr lang="zh-CN" altLang="en-US" sz="3600" dirty="0" smtClean="0">
+              <a:solidFill>
+                <a:schemeClr val="bg1"/>
+              </a:solidFill>
+              <a:latin typeface="等线" panose="02010600030101010101" charset="-122"/>
+              <a:ea typeface="等线" panose="02010600030101010101" charset="-122"/>
+              <a:sym typeface="Segoe UI" panose="020B0502040204020203" pitchFamily="34" charset="0"/>
+            </a:endParaRPr>
+          </a:p>
+        </p:txBody>
+      </p:sp>
       <p:pic>
         <p:nvPicPr>
-          <p:cNvPr id="4" name="图片 3" descr="C:\Users\73732\Desktop\微信图片_20210413211018.jpg微信图片_20210413211018"/>
+          <p:cNvPr id="7" name="图片 6" descr="C:\Users\73732\Desktop\微信图片_20210413211018.jpg微信图片_20210413211018"/>
           <p:cNvPicPr>
             <a:picLocks noChangeAspect="1"/>
           </p:cNvPicPr>
